--- a/notes/16-regression.pptx
+++ b/notes/16-regression.pptx
@@ -942,7 +942,7 @@
         </p:nvSpPr>
         <p:spPr>
           <a:xfrm>
-            <a:off x="381300" y="685800"/>
+            <a:off x="381000" y="685800"/>
             <a:ext cx="6096000" cy="3429000"/>
           </a:xfrm>
           <a:custGeom>
@@ -1477,7 +1477,7 @@
         </p:nvSpPr>
         <p:spPr>
           <a:xfrm>
-            <a:off x="381300" y="685800"/>
+            <a:off x="381000" y="685800"/>
             <a:ext cx="6096000" cy="3429000"/>
           </a:xfrm>
           <a:custGeom>
@@ -7523,7 +7523,6 @@
               <a:rPr lang="en-US" dirty="0"/>
               <a:t>See 16a-regression Notebook</a:t>
             </a:r>
-            <a:endParaRPr lang="en-US" dirty="0"/>
           </a:p>
         </p:txBody>
       </p:sp>
@@ -8681,11 +8680,7 @@
           <a:p>
             <a:r>
               <a:rPr lang="en-US" dirty="0" smtClean="0"/>
-              <a:t>KNN </a:t>
-            </a:r>
-            <a:r>
-              <a:rPr lang="en-US" dirty="0" smtClean="0"/>
-              <a:t>Regression </a:t>
+              <a:t>KNN Regression </a:t>
             </a:r>
             <a:r>
               <a:rPr lang="mr-IN" dirty="0" smtClean="0"/>
@@ -10105,235 +10100,6 @@
               <a:t> regression?  That is, which one gets the best cross-validated R^2 score?</a:t>
             </a:r>
             <a:endParaRPr sz="1200" dirty="0"/>
-          </a:p>
-        </p:txBody>
-      </p:sp>
-      <p:sp>
-        <p:nvSpPr>
-          <p:cNvPr id="2" name="TextBox 1"/>
-          <p:cNvSpPr txBox="1"/>
-          <p:nvPr/>
-        </p:nvSpPr>
-        <p:spPr>
-          <a:xfrm>
-            <a:off x="4840357" y="262354"/>
-            <a:ext cx="4144083" cy="4401205"/>
-          </a:xfrm>
-          <a:prstGeom prst="rect">
-            <a:avLst/>
-          </a:prstGeom>
-          <a:noFill/>
-          <a:ln>
-            <a:solidFill>
-              <a:schemeClr val="tx1"/>
-            </a:solidFill>
-          </a:ln>
-        </p:spPr>
-        <p:txBody>
-          <a:bodyPr wrap="none" rtlCol="0">
-            <a:spAutoFit/>
-          </a:bodyPr>
-          <a:lstStyle/>
-          <a:p>
-            <a:r>
-              <a:rPr lang="en-US" b="1" dirty="0" smtClean="0"/>
-              <a:t>Teams:</a:t>
-            </a:r>
-          </a:p>
-          <a:p>
-            <a:r>
-              <a:rPr lang="en-US" dirty="0" smtClean="0"/>
-              <a:t>Team </a:t>
-            </a:r>
-            <a:r>
-              <a:rPr lang="en-US" dirty="0"/>
-              <a:t>0:  Liam Patrick, Sabrina N., John D., </a:t>
-            </a:r>
-          </a:p>
-          <a:p>
-            <a:r>
-              <a:rPr lang="en-US" dirty="0"/>
-              <a:t>Team 1:  Ian G, Nicholas, Cameron J, </a:t>
-            </a:r>
-          </a:p>
-          <a:p>
-            <a:r>
-              <a:rPr lang="en-US" dirty="0"/>
-              <a:t>Team 2:  </a:t>
-            </a:r>
-            <a:r>
-              <a:rPr lang="en-US" dirty="0" err="1"/>
-              <a:t>Eben</a:t>
-            </a:r>
-            <a:r>
-              <a:rPr lang="en-US" dirty="0"/>
-              <a:t>, Thomas J, Reece D, </a:t>
-            </a:r>
-          </a:p>
-          <a:p>
-            <a:r>
-              <a:rPr lang="en-US" dirty="0"/>
-              <a:t>Team 3:  Sean M, Anthony, Brandon L, </a:t>
-            </a:r>
-          </a:p>
-          <a:p>
-            <a:r>
-              <a:rPr lang="en-US" dirty="0"/>
-              <a:t>Team 4:  Shane R, Josh David, Jessica, </a:t>
-            </a:r>
-          </a:p>
-          <a:p>
-            <a:r>
-              <a:rPr lang="en-US" dirty="0"/>
-              <a:t>Team 5:  Cassie, Alex M, Chris Joseph, </a:t>
-            </a:r>
-          </a:p>
-          <a:p>
-            <a:r>
-              <a:rPr lang="en-US" dirty="0"/>
-              <a:t>Team 6:  Jacob, </a:t>
-            </a:r>
-            <a:r>
-              <a:rPr lang="en-US" dirty="0" err="1"/>
-              <a:t>Geoffroy</a:t>
-            </a:r>
-            <a:r>
-              <a:rPr lang="en-US" dirty="0"/>
-              <a:t> L, Christopher P, </a:t>
-            </a:r>
-          </a:p>
-          <a:p>
-            <a:r>
-              <a:rPr lang="en-US" dirty="0"/>
-              <a:t>Team 7:  Logan, Jack Francis, Brevin </a:t>
-            </a:r>
-            <a:r>
-              <a:rPr lang="en-US" dirty="0" err="1"/>
-              <a:t>Kordel</a:t>
-            </a:r>
-            <a:r>
-              <a:rPr lang="en-US" dirty="0"/>
-              <a:t>, </a:t>
-            </a:r>
-          </a:p>
-          <a:p>
-            <a:r>
-              <a:rPr lang="en-US" dirty="0"/>
-              <a:t>Team 8:  </a:t>
-            </a:r>
-            <a:r>
-              <a:rPr lang="en-US" dirty="0" err="1"/>
-              <a:t>HopeRose</a:t>
-            </a:r>
-            <a:r>
-              <a:rPr lang="en-US" dirty="0"/>
-              <a:t> Falco, Mark Anthony, Eric T, </a:t>
-            </a:r>
-          </a:p>
-          <a:p>
-            <a:r>
-              <a:rPr lang="en-US" dirty="0"/>
-              <a:t>Team 9:  John L, </a:t>
-            </a:r>
-            <a:r>
-              <a:rPr lang="en-US" dirty="0" err="1"/>
-              <a:t>Sedes</a:t>
-            </a:r>
-            <a:r>
-              <a:rPr lang="en-US" dirty="0"/>
-              <a:t>, Jeffrey C, </a:t>
-            </a:r>
-          </a:p>
-          <a:p>
-            <a:r>
-              <a:rPr lang="en-US" dirty="0"/>
-              <a:t>Team 10:  </a:t>
-            </a:r>
-            <a:r>
-              <a:rPr lang="en-US" dirty="0" err="1"/>
-              <a:t>Rotman</a:t>
-            </a:r>
-            <a:r>
-              <a:rPr lang="en-US" dirty="0"/>
-              <a:t> D, </a:t>
-            </a:r>
-            <a:r>
-              <a:rPr lang="en-US" dirty="0" err="1"/>
-              <a:t>Milucy</a:t>
-            </a:r>
-            <a:r>
-              <a:rPr lang="en-US" dirty="0"/>
-              <a:t> Freire, Max M, </a:t>
-            </a:r>
-          </a:p>
-          <a:p>
-            <a:r>
-              <a:rPr lang="en-US" dirty="0"/>
-              <a:t>Team 11:  Aaron, Victoria, Andrew J, </a:t>
-            </a:r>
-          </a:p>
-          <a:p>
-            <a:r>
-              <a:rPr lang="en-US" dirty="0"/>
-              <a:t>Team 12:  Chen, </a:t>
-            </a:r>
-            <a:r>
-              <a:rPr lang="en-US" dirty="0" err="1"/>
-              <a:t>Fehmina</a:t>
-            </a:r>
-            <a:r>
-              <a:rPr lang="en-US" dirty="0"/>
-              <a:t>, Jacob Daniel, </a:t>
-            </a:r>
-          </a:p>
-          <a:p>
-            <a:r>
-              <a:rPr lang="en-US" dirty="0"/>
-              <a:t>Team 13:  Mikayla J, Johnny V, Christopher K, </a:t>
-            </a:r>
-          </a:p>
-          <a:p>
-            <a:r>
-              <a:rPr lang="en-US" dirty="0"/>
-              <a:t>Team 14:  Eunice M, Polly, Joe Peter, </a:t>
-            </a:r>
-          </a:p>
-          <a:p>
-            <a:r>
-              <a:rPr lang="en-US" dirty="0"/>
-              <a:t>Team 15:  Kurtis, Isaac Michael, Nate Arthur, </a:t>
-            </a:r>
-          </a:p>
-          <a:p>
-            <a:r>
-              <a:rPr lang="en-US" dirty="0"/>
-              <a:t>Team 16:  Lydia E, John M., Matthew R, </a:t>
-            </a:r>
-          </a:p>
-          <a:p>
-            <a:r>
-              <a:rPr lang="en-US" dirty="0"/>
-              <a:t>Team 17:  Alec Kai, </a:t>
-            </a:r>
-            <a:r>
-              <a:rPr lang="en-US" dirty="0" err="1"/>
-              <a:t>Aman</a:t>
-            </a:r>
-            <a:r>
-              <a:rPr lang="en-US" dirty="0"/>
-              <a:t>, Kyle, </a:t>
-            </a:r>
-          </a:p>
-          <a:p>
-            <a:r>
-              <a:rPr lang="en-US" dirty="0"/>
-              <a:t>Team 18:  Chris, Michael</a:t>
-            </a:r>
-            <a:r>
-              <a:rPr lang="en-US" dirty="0" smtClean="0"/>
-              <a:t>,</a:t>
-            </a:r>
-            <a:endParaRPr lang="en-US" dirty="0"/>
           </a:p>
         </p:txBody>
       </p:sp>
